--- a/fordcs-docs/EDUp FORDCS-V1.0 Project-v2022.04/z1.0-Customer Requirements/EDUp-FORDCS-V1.0 Customer-Requirements-v2022.04.pptx
+++ b/fordcs-docs/EDUp FORDCS-V1.0 Project-v2022.04/z1.0-Customer Requirements/EDUp-FORDCS-V1.0 Customer-Requirements-v2022.04.pptx
@@ -528,7 +528,7 @@
           <a:p>
             <a:fld id="{F5BA542F-B73B-47E7-BABB-8194D77513EA}" type="datetimeFigureOut">
               <a:rPr lang="en-GB" smtClean="0"/>
-              <a:t>10/04/2022</a:t>
+              <a:t>15/04/2022</a:t>
             </a:fld>
             <a:endParaRPr lang="en-GB" dirty="0"/>
           </a:p>
@@ -707,7 +707,7 @@
           <a:p>
             <a:fld id="{F5BA542F-B73B-47E7-BABB-8194D77513EA}" type="datetimeFigureOut">
               <a:rPr lang="en-GB" smtClean="0"/>
-              <a:t>10/04/2022</a:t>
+              <a:t>15/04/2022</a:t>
             </a:fld>
             <a:endParaRPr lang="en-GB" dirty="0"/>
           </a:p>
@@ -887,7 +887,7 @@
           <a:p>
             <a:fld id="{F5BA542F-B73B-47E7-BABB-8194D77513EA}" type="datetimeFigureOut">
               <a:rPr lang="en-GB" smtClean="0"/>
-              <a:t>10/04/2022</a:t>
+              <a:t>15/04/2022</a:t>
             </a:fld>
             <a:endParaRPr lang="en-GB" dirty="0"/>
           </a:p>
@@ -1057,7 +1057,7 @@
           <a:p>
             <a:fld id="{F5BA542F-B73B-47E7-BABB-8194D77513EA}" type="datetimeFigureOut">
               <a:rPr lang="en-GB" smtClean="0"/>
-              <a:t>10/04/2022</a:t>
+              <a:t>15/04/2022</a:t>
             </a:fld>
             <a:endParaRPr lang="en-GB" dirty="0"/>
           </a:p>
@@ -1370,7 +1370,7 @@
           <a:p>
             <a:fld id="{F5BA542F-B73B-47E7-BABB-8194D77513EA}" type="datetimeFigureOut">
               <a:rPr lang="en-GB" smtClean="0"/>
-              <a:t>10/04/2022</a:t>
+              <a:t>15/04/2022</a:t>
             </a:fld>
             <a:endParaRPr lang="en-GB" dirty="0"/>
           </a:p>
@@ -1756,7 +1756,7 @@
           <a:p>
             <a:fld id="{F5BA542F-B73B-47E7-BABB-8194D77513EA}" type="datetimeFigureOut">
               <a:rPr lang="en-GB" smtClean="0"/>
-              <a:t>10/04/2022</a:t>
+              <a:t>15/04/2022</a:t>
             </a:fld>
             <a:endParaRPr lang="en-GB" dirty="0"/>
           </a:p>
@@ -2190,7 +2190,7 @@
           <a:p>
             <a:fld id="{F5BA542F-B73B-47E7-BABB-8194D77513EA}" type="datetimeFigureOut">
               <a:rPr lang="en-GB" smtClean="0"/>
-              <a:t>10/04/2022</a:t>
+              <a:t>15/04/2022</a:t>
             </a:fld>
             <a:endParaRPr lang="en-GB" dirty="0"/>
           </a:p>
@@ -2308,7 +2308,7 @@
           <a:p>
             <a:fld id="{F5BA542F-B73B-47E7-BABB-8194D77513EA}" type="datetimeFigureOut">
               <a:rPr lang="en-GB" smtClean="0"/>
-              <a:t>10/04/2022</a:t>
+              <a:t>15/04/2022</a:t>
             </a:fld>
             <a:endParaRPr lang="en-GB" dirty="0"/>
           </a:p>
@@ -2403,7 +2403,7 @@
           <a:p>
             <a:fld id="{F5BA542F-B73B-47E7-BABB-8194D77513EA}" type="datetimeFigureOut">
               <a:rPr lang="en-GB" smtClean="0"/>
-              <a:t>10/04/2022</a:t>
+              <a:t>15/04/2022</a:t>
             </a:fld>
             <a:endParaRPr lang="en-GB" dirty="0"/>
           </a:p>
@@ -2753,7 +2753,7 @@
           <a:p>
             <a:fld id="{F5BA542F-B73B-47E7-BABB-8194D77513EA}" type="datetimeFigureOut">
               <a:rPr lang="en-GB" smtClean="0"/>
-              <a:t>10/04/2022</a:t>
+              <a:t>15/04/2022</a:t>
             </a:fld>
             <a:endParaRPr lang="en-GB" dirty="0"/>
           </a:p>
@@ -3178,7 +3178,7 @@
           <a:p>
             <a:fld id="{F5BA542F-B73B-47E7-BABB-8194D77513EA}" type="datetimeFigureOut">
               <a:rPr lang="en-GB" smtClean="0"/>
-              <a:t>10/04/2022</a:t>
+              <a:t>15/04/2022</a:t>
             </a:fld>
             <a:endParaRPr lang="en-GB" dirty="0"/>
           </a:p>
@@ -3459,7 +3459,7 @@
           <a:p>
             <a:fld id="{F5BA542F-B73B-47E7-BABB-8194D77513EA}" type="datetimeFigureOut">
               <a:rPr lang="en-GB" smtClean="0"/>
-              <a:t>10/04/2022</a:t>
+              <a:t>15/04/2022</a:t>
             </a:fld>
             <a:endParaRPr lang="en-GB" dirty="0"/>
           </a:p>
@@ -4390,6 +4390,168 @@
           </a:prstGeom>
         </p:spPr>
       </p:pic>
+      <p:grpSp>
+        <p:nvGrpSpPr>
+          <p:cNvPr id="15" name="Group 14">
+            <a:extLst>
+              <a:ext uri="{FF2B5EF4-FFF2-40B4-BE49-F238E27FC236}">
+                <a16:creationId xmlns:a16="http://schemas.microsoft.com/office/drawing/2014/main" id="{2C1BBAF6-3398-435B-9A3C-64B1CF25C860}"/>
+              </a:ext>
+            </a:extLst>
+          </p:cNvPr>
+          <p:cNvGrpSpPr/>
+          <p:nvPr/>
+        </p:nvGrpSpPr>
+        <p:grpSpPr>
+          <a:xfrm>
+            <a:off x="1119623" y="4750319"/>
+            <a:ext cx="1334428" cy="920042"/>
+            <a:chOff x="2815543" y="3055448"/>
+            <a:chExt cx="1334428" cy="920042"/>
+          </a:xfrm>
+        </p:grpSpPr>
+        <p:sp>
+          <p:nvSpPr>
+            <p:cNvPr id="16" name="TextBox 15">
+              <a:extLst>
+                <a:ext uri="{FF2B5EF4-FFF2-40B4-BE49-F238E27FC236}">
+                  <a16:creationId xmlns:a16="http://schemas.microsoft.com/office/drawing/2014/main" id="{3D3C5B22-8271-43CB-B9BE-97C2C8766799}"/>
+                </a:ext>
+              </a:extLst>
+            </p:cNvPr>
+            <p:cNvSpPr txBox="1"/>
+            <p:nvPr/>
+          </p:nvSpPr>
+          <p:spPr>
+            <a:xfrm>
+              <a:off x="2815543" y="3667713"/>
+              <a:ext cx="1334428" cy="307777"/>
+            </a:xfrm>
+            <a:prstGeom prst="rect">
+              <a:avLst/>
+            </a:prstGeom>
+            <a:noFill/>
+          </p:spPr>
+          <p:txBody>
+            <a:bodyPr wrap="square">
+              <a:spAutoFit/>
+            </a:bodyPr>
+            <a:lstStyle/>
+            <a:p>
+              <a:pPr algn="ctr"/>
+              <a:r>
+                <a:rPr lang="en-US" sz="1400" dirty="0">
+                  <a:solidFill>
+                    <a:srgbClr val="0070C0"/>
+                  </a:solidFill>
+                </a:rPr>
+                <a:t>FORDSC Project</a:t>
+              </a:r>
+            </a:p>
+          </p:txBody>
+        </p:sp>
+        <p:grpSp>
+          <p:nvGrpSpPr>
+            <p:cNvPr id="17" name="Group 16">
+              <a:extLst>
+                <a:ext uri="{FF2B5EF4-FFF2-40B4-BE49-F238E27FC236}">
+                  <a16:creationId xmlns:a16="http://schemas.microsoft.com/office/drawing/2014/main" id="{0C62542F-4440-4E01-9DFB-2330E95064AF}"/>
+                </a:ext>
+              </a:extLst>
+            </p:cNvPr>
+            <p:cNvGrpSpPr/>
+            <p:nvPr/>
+          </p:nvGrpSpPr>
+          <p:grpSpPr>
+            <a:xfrm>
+              <a:off x="3166224" y="3055448"/>
+              <a:ext cx="616062" cy="650752"/>
+              <a:chOff x="3166224" y="3055448"/>
+              <a:chExt cx="616062" cy="650752"/>
+            </a:xfrm>
+          </p:grpSpPr>
+          <p:pic>
+            <p:nvPicPr>
+              <p:cNvPr id="18" name="Graphic 17" descr="Fuel outline">
+                <a:extLst>
+                  <a:ext uri="{FF2B5EF4-FFF2-40B4-BE49-F238E27FC236}">
+                    <a16:creationId xmlns:a16="http://schemas.microsoft.com/office/drawing/2014/main" id="{04B16FF5-3782-490E-B929-ECA56F886597}"/>
+                  </a:ext>
+                </a:extLst>
+              </p:cNvPr>
+              <p:cNvPicPr>
+                <a:picLocks noChangeAspect="1"/>
+              </p:cNvPicPr>
+              <p:nvPr/>
+            </p:nvPicPr>
+            <p:blipFill>
+              <a:blip r:embed="rId5">
+                <a:extLst>
+                  <a:ext uri="{28A0092B-C50C-407E-A947-70E740481C1C}">
+                    <a14:useLocalDpi xmlns:a14="http://schemas.microsoft.com/office/drawing/2010/main" val="0"/>
+                  </a:ext>
+                  <a:ext uri="{96DAC541-7B7A-43D3-8B79-37D633B846F1}">
+                    <asvg:svgBlip xmlns:asvg="http://schemas.microsoft.com/office/drawing/2016/SVG/main" r:embed="rId6"/>
+                  </a:ext>
+                </a:extLst>
+              </a:blip>
+              <a:stretch>
+                <a:fillRect/>
+              </a:stretch>
+            </p:blipFill>
+            <p:spPr>
+              <a:xfrm>
+                <a:off x="3166224" y="3055448"/>
+                <a:ext cx="616062" cy="650752"/>
+              </a:xfrm>
+              <a:prstGeom prst="rect">
+                <a:avLst/>
+              </a:prstGeom>
+            </p:spPr>
+          </p:pic>
+          <p:sp>
+            <p:nvSpPr>
+              <p:cNvPr id="19" name="TextBox 18">
+                <a:extLst>
+                  <a:ext uri="{FF2B5EF4-FFF2-40B4-BE49-F238E27FC236}">
+                    <a16:creationId xmlns:a16="http://schemas.microsoft.com/office/drawing/2014/main" id="{02D1BBEC-7502-4C29-8FA1-486E6C1ED00C}"/>
+                  </a:ext>
+                </a:extLst>
+              </p:cNvPr>
+              <p:cNvSpPr txBox="1"/>
+              <p:nvPr/>
+            </p:nvSpPr>
+            <p:spPr>
+              <a:xfrm>
+                <a:off x="3296634" y="3304268"/>
+                <a:ext cx="266420" cy="307777"/>
+              </a:xfrm>
+              <a:prstGeom prst="rect">
+                <a:avLst/>
+              </a:prstGeom>
+              <a:noFill/>
+            </p:spPr>
+            <p:txBody>
+              <a:bodyPr wrap="none" rtlCol="0">
+                <a:spAutoFit/>
+              </a:bodyPr>
+              <a:lstStyle/>
+              <a:p>
+                <a:r>
+                  <a:rPr lang="en-US" sz="1400" b="1" i="1" dirty="0">
+                    <a:solidFill>
+                      <a:schemeClr val="accent5">
+                        <a:lumMod val="75000"/>
+                      </a:schemeClr>
+                    </a:solidFill>
+                  </a:rPr>
+                  <a:t>F</a:t>
+                </a:r>
+              </a:p>
+            </p:txBody>
+          </p:sp>
+        </p:grpSp>
+      </p:grpSp>
     </p:spTree>
     <p:extLst>
       <p:ext uri="{BB962C8B-B14F-4D97-AF65-F5344CB8AC3E}">
@@ -8365,10 +8527,9 @@
           <a:lstStyle/>
           <a:p>
             <a:r>
-              <a:rPr lang="tr-TR" dirty="0"/>
-              <a:t>Notes</a:t>
-            </a:r>
-            <a:endParaRPr lang="de-AT" dirty="0"/>
+              <a:rPr lang="de-AT" dirty="0"/>
+              <a:t>REFERENCES</a:t>
+            </a:r>
           </a:p>
         </p:txBody>
       </p:sp>
@@ -8388,38 +8549,60 @@
             <p:ph idx="1"/>
           </p:nvPr>
         </p:nvSpPr>
-        <p:spPr/>
+        <p:spPr>
+          <a:xfrm>
+            <a:off x="1069848" y="2121408"/>
+            <a:ext cx="10480468" cy="4050792"/>
+          </a:xfrm>
+        </p:spPr>
         <p:txBody>
           <a:bodyPr/>
           <a:lstStyle/>
           <a:p>
-            <a:endParaRPr lang="tr-TR" dirty="0"/>
-          </a:p>
-          <a:p>
-            <a:r>
-              <a:rPr lang="tr-TR" dirty="0"/>
-              <a:t>FORD – Charging Station</a:t>
+            <a:r>
+              <a:rPr lang="en-US" dirty="0"/>
+              <a:t>[REF_SHC] … SmartHome_ConceptSpecificationSimplified_v2022.1.docx, especially</a:t>
             </a:r>
           </a:p>
           <a:p>
             <a:pPr lvl="1"/>
             <a:r>
-              <a:rPr lang="tr-TR" dirty="0">
+              <a:rPr lang="en-US" dirty="0"/>
+              <a:t>Use Case „Charge the E-car“ , chapter 3.2.1 </a:t>
+            </a:r>
+          </a:p>
+          <a:p>
+            <a:pPr lvl="1"/>
+            <a:r>
+              <a:rPr lang="en-US" dirty="0"/>
+              <a:t>The Subsystem “Charging Station”, , chapter 4.2</a:t>
+            </a:r>
+          </a:p>
+          <a:p>
+            <a:r>
+              <a:rPr lang="en-US" dirty="0"/>
+              <a:t>[REF_FORDCS] … FORD – Charging Station</a:t>
+            </a:r>
+          </a:p>
+          <a:p>
+            <a:pPr lvl="1"/>
+            <a:r>
+              <a:rPr lang="en-US" dirty="0">
                 <a:hlinkClick r:id="rId2"/>
               </a:rPr>
               <a:t>https://www.evsolutions.com/Upload/Product/635652466512570000.pdf</a:t>
             </a:r>
-            <a:endParaRPr lang="tr-TR" dirty="0"/>
+            <a:endParaRPr lang="en-US" dirty="0"/>
           </a:p>
           <a:p>
             <a:pPr marL="128016" lvl="1" indent="0">
               <a:buNone/>
             </a:pPr>
-            <a:endParaRPr lang="de-AT" dirty="0"/>
+            <a:endParaRPr lang="en-US" dirty="0"/>
           </a:p>
           <a:p>
             <a:pPr lvl="1"/>
-            <a:endParaRPr lang="de-AT" dirty="0"/>
+            <a:endParaRPr lang="en-US" dirty="0"/>
           </a:p>
         </p:txBody>
       </p:sp>
@@ -9515,7 +9698,7 @@
         </p:nvGrpSpPr>
         <p:grpSpPr>
           <a:xfrm>
-            <a:off x="4084500" y="2888216"/>
+            <a:off x="9073404" y="2688510"/>
             <a:ext cx="2776447" cy="1371251"/>
             <a:chOff x="389925" y="911942"/>
             <a:chExt cx="2776447" cy="1371251"/>
@@ -9687,6 +9870,153 @@
           </p:txBody>
         </p:sp>
       </p:grpSp>
+      <p:sp>
+        <p:nvSpPr>
+          <p:cNvPr id="8" name="TextBox 7">
+            <a:extLst>
+              <a:ext uri="{FF2B5EF4-FFF2-40B4-BE49-F238E27FC236}">
+                <a16:creationId xmlns:a16="http://schemas.microsoft.com/office/drawing/2014/main" id="{6D036BF9-00C6-47D1-8729-7DE0885F2AF0}"/>
+              </a:ext>
+            </a:extLst>
+          </p:cNvPr>
+          <p:cNvSpPr txBox="1"/>
+          <p:nvPr/>
+        </p:nvSpPr>
+        <p:spPr>
+          <a:xfrm>
+            <a:off x="137160" y="3508371"/>
+            <a:ext cx="6521376" cy="369332"/>
+          </a:xfrm>
+          <a:prstGeom prst="rect">
+            <a:avLst/>
+          </a:prstGeom>
+          <a:noFill/>
+        </p:spPr>
+        <p:txBody>
+          <a:bodyPr wrap="square">
+            <a:spAutoFit/>
+          </a:bodyPr>
+          <a:lstStyle/>
+          <a:p>
+            <a:r>
+              <a:rPr lang="en-US" dirty="0"/>
+              <a:t>SmartHome_ConceptSpecificationSimplified_v2022.1.docx</a:t>
+            </a:r>
+          </a:p>
+        </p:txBody>
+      </p:sp>
+      <p:pic>
+        <p:nvPicPr>
+          <p:cNvPr id="10" name="Picture 9">
+            <a:extLst>
+              <a:ext uri="{FF2B5EF4-FFF2-40B4-BE49-F238E27FC236}">
+                <a16:creationId xmlns:a16="http://schemas.microsoft.com/office/drawing/2014/main" id="{359CDE18-5D2C-40E7-BF5C-40DE579A43F3}"/>
+              </a:ext>
+            </a:extLst>
+          </p:cNvPr>
+          <p:cNvPicPr>
+            <a:picLocks noChangeAspect="1"/>
+          </p:cNvPicPr>
+          <p:nvPr/>
+        </p:nvPicPr>
+        <p:blipFill>
+          <a:blip r:embed="rId4"/>
+          <a:stretch>
+            <a:fillRect/>
+          </a:stretch>
+        </p:blipFill>
+        <p:spPr>
+          <a:xfrm>
+            <a:off x="2734908" y="2334857"/>
+            <a:ext cx="1325880" cy="1274884"/>
+          </a:xfrm>
+          <a:prstGeom prst="rect">
+            <a:avLst/>
+          </a:prstGeom>
+        </p:spPr>
+      </p:pic>
+      <p:cxnSp>
+        <p:nvCxnSpPr>
+          <p:cNvPr id="12" name="Connector: Elbow 11">
+            <a:extLst>
+              <a:ext uri="{FF2B5EF4-FFF2-40B4-BE49-F238E27FC236}">
+                <a16:creationId xmlns:a16="http://schemas.microsoft.com/office/drawing/2014/main" id="{05B91B7F-5BAA-45D1-9826-9BFAA33A5BDC}"/>
+              </a:ext>
+            </a:extLst>
+          </p:cNvPr>
+          <p:cNvCxnSpPr>
+            <a:stCxn id="7" idx="1"/>
+            <a:endCxn id="8" idx="3"/>
+          </p:cNvCxnSpPr>
+          <p:nvPr/>
+        </p:nvCxnSpPr>
+        <p:spPr>
+          <a:xfrm rot="10800000" flipV="1">
+            <a:off x="6658536" y="3690429"/>
+            <a:ext cx="2414868" cy="2608"/>
+          </a:xfrm>
+          <a:prstGeom prst="bentConnector3">
+            <a:avLst/>
+          </a:prstGeom>
+          <a:ln w="28575">
+            <a:headEnd type="none" w="med" len="med"/>
+            <a:tailEnd type="triangle" w="med" len="med"/>
+          </a:ln>
+        </p:spPr>
+        <p:style>
+          <a:lnRef idx="1">
+            <a:schemeClr val="accent1"/>
+          </a:lnRef>
+          <a:fillRef idx="0">
+            <a:schemeClr val="accent1"/>
+          </a:fillRef>
+          <a:effectRef idx="0">
+            <a:schemeClr val="accent1"/>
+          </a:effectRef>
+          <a:fontRef idx="minor">
+            <a:schemeClr val="tx1"/>
+          </a:fontRef>
+        </p:style>
+      </p:cxnSp>
+      <p:sp>
+        <p:nvSpPr>
+          <p:cNvPr id="13" name="TextBox 12">
+            <a:extLst>
+              <a:ext uri="{FF2B5EF4-FFF2-40B4-BE49-F238E27FC236}">
+                <a16:creationId xmlns:a16="http://schemas.microsoft.com/office/drawing/2014/main" id="{6E43A0A7-E331-4F65-B5B2-34F47718847B}"/>
+              </a:ext>
+            </a:extLst>
+          </p:cNvPr>
+          <p:cNvSpPr txBox="1"/>
+          <p:nvPr/>
+        </p:nvSpPr>
+        <p:spPr>
+          <a:xfrm>
+            <a:off x="7027507" y="3321097"/>
+            <a:ext cx="2121478" cy="369332"/>
+          </a:xfrm>
+          <a:prstGeom prst="rect">
+            <a:avLst/>
+          </a:prstGeom>
+          <a:noFill/>
+        </p:spPr>
+        <p:txBody>
+          <a:bodyPr wrap="none" rtlCol="0">
+            <a:spAutoFit/>
+          </a:bodyPr>
+          <a:lstStyle/>
+          <a:p>
+            <a:r>
+              <a:rPr lang="en-US" dirty="0">
+                <a:solidFill>
+                  <a:srgbClr val="C00000"/>
+                </a:solidFill>
+              </a:rPr>
+              <a:t>decomposed from</a:t>
+            </a:r>
+          </a:p>
+        </p:txBody>
+      </p:sp>
     </p:spTree>
     <p:extLst>
       <p:ext uri="{BB962C8B-B14F-4D97-AF65-F5344CB8AC3E}">
@@ -9927,9 +10257,27 @@
         </p:spPr>
         <p:txBody>
           <a:bodyPr>
-            <a:normAutofit fontScale="92500" lnSpcReduction="10000"/>
+            <a:normAutofit fontScale="92500" lnSpcReduction="20000"/>
           </a:bodyPr>
           <a:lstStyle/>
+          <a:p>
+            <a:r>
+              <a:rPr lang="en-US" sz="2400" dirty="0"/>
+              <a:t>The </a:t>
+            </a:r>
+            <a:r>
+              <a:rPr lang="en-US" sz="2400" b="1" dirty="0"/>
+              <a:t>FORDCS</a:t>
+            </a:r>
+            <a:r>
+              <a:rPr lang="en-US" sz="2400" dirty="0"/>
+              <a:t> </a:t>
+            </a:r>
+            <a:r>
+              <a:rPr lang="en-US" sz="2400" b="1" dirty="0"/>
+              <a:t>customer requirements are defined via decomposition from the SMARTHOME project, see [REF_SHC] </a:t>
+            </a:r>
+          </a:p>
           <a:p>
             <a:r>
               <a:rPr lang="en-US" sz="2400" dirty="0"/>
@@ -10021,7 +10369,6 @@
                   <a:srgbClr val="444444"/>
                 </a:solidFill>
                 <a:effectLst/>
-                <a:latin typeface="RobotoInternal"/>
                 <a:hlinkClick r:id="rId2"/>
               </a:rPr>
               <a:t>https://app.swaggerhub.com/apis/karacankos/fordcs/1.0-oas3</a:t>
@@ -10032,7 +10379,6 @@
                   <a:srgbClr val="444444"/>
                 </a:solidFill>
                 <a:effectLst/>
-                <a:latin typeface="RobotoInternal"/>
               </a:rPr>
               <a:t> </a:t>
             </a:r>
@@ -10057,7 +10403,19 @@
           <a:p>
             <a:r>
               <a:rPr lang="en-US" sz="2400" dirty="0"/>
-              <a:t>The requirement gaps (issues) are resolved with intellectual assumptions and should be explained in this document!</a:t>
+              <a:t>The requirement gaps (issues) are resolved with intellectual </a:t>
+            </a:r>
+            <a:r>
+              <a:rPr lang="en-US" sz="2400" b="1" dirty="0">
+                <a:solidFill>
+                  <a:srgbClr val="C00000"/>
+                </a:solidFill>
+              </a:rPr>
+              <a:t>assumptions</a:t>
+            </a:r>
+            <a:r>
+              <a:rPr lang="en-US" sz="2400" dirty="0"/>
+              <a:t> and should be explained in this document!</a:t>
             </a:r>
           </a:p>
           <a:p>

--- a/fordcs-docs/EDUp FORDCS-V1.0 Project-v2022.04/z1.0-Customer Requirements/EDUp-FORDCS-V1.0 Customer-Requirements-v2022.04.pptx
+++ b/fordcs-docs/EDUp FORDCS-V1.0 Project-v2022.04/z1.0-Customer Requirements/EDUp-FORDCS-V1.0 Customer-Requirements-v2022.04.pptx
@@ -528,7 +528,7 @@
           <a:p>
             <a:fld id="{F5BA542F-B73B-47E7-BABB-8194D77513EA}" type="datetimeFigureOut">
               <a:rPr lang="en-GB" smtClean="0"/>
-              <a:t>15/04/2022</a:t>
+              <a:t>29/04/2022</a:t>
             </a:fld>
             <a:endParaRPr lang="en-GB" dirty="0"/>
           </a:p>
@@ -707,7 +707,7 @@
           <a:p>
             <a:fld id="{F5BA542F-B73B-47E7-BABB-8194D77513EA}" type="datetimeFigureOut">
               <a:rPr lang="en-GB" smtClean="0"/>
-              <a:t>15/04/2022</a:t>
+              <a:t>29/04/2022</a:t>
             </a:fld>
             <a:endParaRPr lang="en-GB" dirty="0"/>
           </a:p>
@@ -887,7 +887,7 @@
           <a:p>
             <a:fld id="{F5BA542F-B73B-47E7-BABB-8194D77513EA}" type="datetimeFigureOut">
               <a:rPr lang="en-GB" smtClean="0"/>
-              <a:t>15/04/2022</a:t>
+              <a:t>29/04/2022</a:t>
             </a:fld>
             <a:endParaRPr lang="en-GB" dirty="0"/>
           </a:p>
@@ -1057,7 +1057,7 @@
           <a:p>
             <a:fld id="{F5BA542F-B73B-47E7-BABB-8194D77513EA}" type="datetimeFigureOut">
               <a:rPr lang="en-GB" smtClean="0"/>
-              <a:t>15/04/2022</a:t>
+              <a:t>29/04/2022</a:t>
             </a:fld>
             <a:endParaRPr lang="en-GB" dirty="0"/>
           </a:p>
@@ -1370,7 +1370,7 @@
           <a:p>
             <a:fld id="{F5BA542F-B73B-47E7-BABB-8194D77513EA}" type="datetimeFigureOut">
               <a:rPr lang="en-GB" smtClean="0"/>
-              <a:t>15/04/2022</a:t>
+              <a:t>29/04/2022</a:t>
             </a:fld>
             <a:endParaRPr lang="en-GB" dirty="0"/>
           </a:p>
@@ -1756,7 +1756,7 @@
           <a:p>
             <a:fld id="{F5BA542F-B73B-47E7-BABB-8194D77513EA}" type="datetimeFigureOut">
               <a:rPr lang="en-GB" smtClean="0"/>
-              <a:t>15/04/2022</a:t>
+              <a:t>29/04/2022</a:t>
             </a:fld>
             <a:endParaRPr lang="en-GB" dirty="0"/>
           </a:p>
@@ -2190,7 +2190,7 @@
           <a:p>
             <a:fld id="{F5BA542F-B73B-47E7-BABB-8194D77513EA}" type="datetimeFigureOut">
               <a:rPr lang="en-GB" smtClean="0"/>
-              <a:t>15/04/2022</a:t>
+              <a:t>29/04/2022</a:t>
             </a:fld>
             <a:endParaRPr lang="en-GB" dirty="0"/>
           </a:p>
@@ -2308,7 +2308,7 @@
           <a:p>
             <a:fld id="{F5BA542F-B73B-47E7-BABB-8194D77513EA}" type="datetimeFigureOut">
               <a:rPr lang="en-GB" smtClean="0"/>
-              <a:t>15/04/2022</a:t>
+              <a:t>29/04/2022</a:t>
             </a:fld>
             <a:endParaRPr lang="en-GB" dirty="0"/>
           </a:p>
@@ -2403,7 +2403,7 @@
           <a:p>
             <a:fld id="{F5BA542F-B73B-47E7-BABB-8194D77513EA}" type="datetimeFigureOut">
               <a:rPr lang="en-GB" smtClean="0"/>
-              <a:t>15/04/2022</a:t>
+              <a:t>29/04/2022</a:t>
             </a:fld>
             <a:endParaRPr lang="en-GB" dirty="0"/>
           </a:p>
@@ -2753,7 +2753,7 @@
           <a:p>
             <a:fld id="{F5BA542F-B73B-47E7-BABB-8194D77513EA}" type="datetimeFigureOut">
               <a:rPr lang="en-GB" smtClean="0"/>
-              <a:t>15/04/2022</a:t>
+              <a:t>29/04/2022</a:t>
             </a:fld>
             <a:endParaRPr lang="en-GB" dirty="0"/>
           </a:p>
@@ -3178,7 +3178,7 @@
           <a:p>
             <a:fld id="{F5BA542F-B73B-47E7-BABB-8194D77513EA}" type="datetimeFigureOut">
               <a:rPr lang="en-GB" smtClean="0"/>
-              <a:t>15/04/2022</a:t>
+              <a:t>29/04/2022</a:t>
             </a:fld>
             <a:endParaRPr lang="en-GB" dirty="0"/>
           </a:p>
@@ -3459,7 +3459,7 @@
           <a:p>
             <a:fld id="{F5BA542F-B73B-47E7-BABB-8194D77513EA}" type="datetimeFigureOut">
               <a:rPr lang="en-GB" smtClean="0"/>
-              <a:t>15/04/2022</a:t>
+              <a:t>29/04/2022</a:t>
             </a:fld>
             <a:endParaRPr lang="en-GB" dirty="0"/>
           </a:p>
@@ -6361,10 +6361,9 @@
               <a:p>
                 <a:pPr algn="ctr"/>
                 <a:r>
-                  <a:rPr lang="tr-TR" sz="1600" dirty="0"/>
-                  <a:t>power present</a:t>
+                  <a:rPr lang="tr-TR" sz="1200" dirty="0"/>
+                  <a:t>UX_ POWER_PRESENT</a:t>
                 </a:r>
-                <a:endParaRPr lang="de-AT" sz="1600" dirty="0"/>
               </a:p>
             </p:txBody>
           </p:sp>
@@ -6599,10 +6598,9 @@
               <a:p>
                 <a:pPr algn="ctr"/>
                 <a:r>
-                  <a:rPr lang="tr-TR" sz="1600" dirty="0"/>
-                  <a:t>ready to charge</a:t>
+                  <a:rPr lang="tr-TR" sz="1200" dirty="0"/>
+                  <a:t>UX_ READY_TO_CHARGE</a:t>
                 </a:r>
-                <a:endParaRPr lang="de-AT" sz="1600" dirty="0"/>
               </a:p>
             </p:txBody>
           </p:sp>
@@ -6699,10 +6697,9 @@
               <a:p>
                 <a:pPr algn="ctr"/>
                 <a:r>
-                  <a:rPr lang="tr-TR" sz="1600" dirty="0"/>
-                  <a:t>vehicle connected</a:t>
+                  <a:rPr lang="tr-TR" sz="1200" dirty="0"/>
+                  <a:t>UX_ VEHICLE_CONNECTED</a:t>
                 </a:r>
-                <a:endParaRPr lang="de-AT" sz="1600" dirty="0"/>
               </a:p>
             </p:txBody>
           </p:sp>
@@ -6812,8 +6809,8 @@
             </p:nvSpPr>
             <p:spPr>
               <a:xfrm>
-                <a:off x="5548576" y="5738043"/>
-                <a:ext cx="1324669" cy="685800"/>
+                <a:off x="5032414" y="5738043"/>
+                <a:ext cx="1840832" cy="685800"/>
               </a:xfrm>
               <a:prstGeom prst="roundRect">
                 <a:avLst/>
@@ -6847,10 +6844,9 @@
               <a:p>
                 <a:pPr algn="ctr"/>
                 <a:r>
-                  <a:rPr lang="tr-TR" sz="1600" dirty="0"/>
-                  <a:t>vehicle charging</a:t>
+                  <a:rPr lang="tr-TR" sz="1200" dirty="0"/>
+                  <a:t>UX_ VEHICLE_CHARGING</a:t>
                 </a:r>
-                <a:endParaRPr lang="de-AT" sz="1600" dirty="0"/>
               </a:p>
             </p:txBody>
           </p:sp>
@@ -6872,8 +6868,8 @@
             </p:nvCxnSpPr>
             <p:spPr>
               <a:xfrm rot="5400000">
-                <a:off x="7113221" y="5001252"/>
-                <a:ext cx="839715" cy="1319666"/>
+                <a:off x="7113222" y="5001253"/>
+                <a:ext cx="839715" cy="1319665"/>
               </a:xfrm>
               <a:prstGeom prst="curvedConnector2">
                 <a:avLst/>
@@ -6964,8 +6960,8 @@
             </p:nvCxnSpPr>
             <p:spPr>
               <a:xfrm rot="5400000" flipH="1" flipV="1">
-                <a:off x="6450886" y="4658354"/>
-                <a:ext cx="839715" cy="1319665"/>
+                <a:off x="6321846" y="4529313"/>
+                <a:ext cx="839715" cy="1577746"/>
               </a:xfrm>
               <a:prstGeom prst="curvedConnector2">
                 <a:avLst/>
@@ -7139,10 +7135,9 @@
               <a:p>
                 <a:pPr algn="ctr"/>
                 <a:r>
-                  <a:rPr lang="tr-TR" sz="1600" dirty="0"/>
-                  <a:t>trouble</a:t>
+                  <a:rPr lang="tr-TR" sz="1200" dirty="0"/>
+                  <a:t>UX_ TROUBLE</a:t>
                 </a:r>
-                <a:endParaRPr lang="de-AT" sz="1600" dirty="0"/>
               </a:p>
             </p:txBody>
           </p:sp>
@@ -7732,8 +7727,8 @@
           <a:p>
             <a:pPr algn="ctr"/>
             <a:r>
-              <a:rPr lang="en-US" sz="1600"/>
-              <a:t>ready to charge stopped</a:t>
+              <a:rPr lang="en-US" sz="1200" dirty="0"/>
+              <a:t>READY_TO_CHARGE_STOPPED</a:t>
             </a:r>
           </a:p>
         </p:txBody>
@@ -12392,8 +12387,12 @@
               <a:buChar char="•"/>
             </a:pPr>
             <a:r>
+              <a:rPr lang="de-AT" sz="1400" dirty="0"/>
+              <a:t>p</a:t>
+            </a:r>
+            <a:r>
               <a:rPr lang="tr-TR" sz="1400" dirty="0"/>
-              <a:t>Power_on</a:t>
+              <a:t>ower_on</a:t>
             </a:r>
           </a:p>
           <a:p>
@@ -12402,8 +12401,12 @@
               <a:buChar char="•"/>
             </a:pPr>
             <a:r>
+              <a:rPr lang="de-AT" sz="1400" dirty="0"/>
+              <a:t>r</a:t>
+            </a:r>
+            <a:r>
               <a:rPr lang="tr-TR" sz="1400" dirty="0"/>
-              <a:t>Ready_to_charge</a:t>
+              <a:t>eady_to_charge</a:t>
             </a:r>
           </a:p>
           <a:p>
@@ -12412,8 +12415,12 @@
               <a:buChar char="•"/>
             </a:pPr>
             <a:r>
+              <a:rPr lang="de-AT" sz="1400" dirty="0"/>
+              <a:t>v</a:t>
+            </a:r>
+            <a:r>
               <a:rPr lang="tr-TR" sz="1400" dirty="0"/>
-              <a:t>Vehicle_disconnected</a:t>
+              <a:t>ehicle_disconnected</a:t>
             </a:r>
           </a:p>
           <a:p>
@@ -12422,8 +12429,12 @@
               <a:buChar char="•"/>
             </a:pPr>
             <a:r>
+              <a:rPr lang="de-AT" sz="1400" dirty="0"/>
+              <a:t>s</a:t>
+            </a:r>
+            <a:r>
               <a:rPr lang="tr-TR" sz="1400" dirty="0"/>
-              <a:t>Start_charging</a:t>
+              <a:t>tart_charging</a:t>
             </a:r>
           </a:p>
           <a:p>
@@ -12432,8 +12443,12 @@
               <a:buChar char="•"/>
             </a:pPr>
             <a:r>
+              <a:rPr lang="de-AT" sz="1400" dirty="0"/>
+              <a:t>s</a:t>
+            </a:r>
+            <a:r>
               <a:rPr lang="tr-TR" sz="1400" dirty="0"/>
-              <a:t>Stop_charging</a:t>
+              <a:t>top_charging</a:t>
             </a:r>
           </a:p>
           <a:p>
@@ -12442,8 +12457,12 @@
               <a:buChar char="•"/>
             </a:pPr>
             <a:r>
+              <a:rPr lang="de-AT" sz="1400" dirty="0"/>
+              <a:t>v</a:t>
+            </a:r>
+            <a:r>
               <a:rPr lang="tr-TR" sz="1400" dirty="0"/>
-              <a:t>Vehicle_connected</a:t>
+              <a:t>ehicle_connected</a:t>
             </a:r>
           </a:p>
           <a:p>
@@ -12452,8 +12471,12 @@
               <a:buChar char="•"/>
             </a:pPr>
             <a:r>
+              <a:rPr lang="de-AT" sz="1400" dirty="0"/>
+              <a:t>f</a:t>
+            </a:r>
+            <a:r>
               <a:rPr lang="tr-TR" sz="1400" dirty="0"/>
-              <a:t>Failure</a:t>
+              <a:t>ailure</a:t>
             </a:r>
           </a:p>
           <a:p>
@@ -12462,8 +12485,12 @@
               <a:buChar char="•"/>
             </a:pPr>
             <a:r>
+              <a:rPr lang="de-AT" sz="1400" dirty="0"/>
+              <a:t>p</a:t>
+            </a:r>
+            <a:r>
               <a:rPr lang="tr-TR" sz="1400" dirty="0"/>
-              <a:t>Power_off</a:t>
+              <a:t>ower_off</a:t>
             </a:r>
             <a:endParaRPr lang="de-AT" sz="1400" dirty="0"/>
           </a:p>
@@ -12649,8 +12676,8 @@
             </p:nvSpPr>
             <p:spPr>
               <a:xfrm>
-                <a:off x="3465096" y="3514299"/>
-                <a:ext cx="1155031" cy="685800"/>
+                <a:off x="3246778" y="3514299"/>
+                <a:ext cx="1373350" cy="685800"/>
               </a:xfrm>
               <a:prstGeom prst="roundRect">
                 <a:avLst/>
@@ -12678,10 +12705,9 @@
               <a:p>
                 <a:pPr algn="ctr"/>
                 <a:r>
-                  <a:rPr lang="tr-TR" sz="1600" dirty="0"/>
-                  <a:t>power present</a:t>
+                  <a:rPr lang="tr-TR" sz="1400" dirty="0"/>
+                  <a:t>UX_POWER_PRESENT</a:t>
                 </a:r>
-                <a:endParaRPr lang="de-AT" sz="1600" dirty="0"/>
               </a:p>
             </p:txBody>
           </p:sp>
@@ -12741,6 +12767,7 @@
                 </a:extLst>
               </p:cNvPr>
               <p:cNvCxnSpPr>
+                <a:cxnSpLocks/>
                 <a:stCxn id="8" idx="6"/>
                 <a:endCxn id="7" idx="0"/>
               </p:cNvCxnSpPr>
@@ -12749,7 +12776,7 @@
             <p:spPr>
               <a:xfrm>
                 <a:off x="2364606" y="2761777"/>
-                <a:ext cx="1678006" cy="752522"/>
+                <a:ext cx="1568847" cy="752522"/>
               </a:xfrm>
               <a:prstGeom prst="curvedConnector2">
                 <a:avLst/>
@@ -12894,10 +12921,9 @@
               <a:p>
                 <a:pPr algn="ctr"/>
                 <a:r>
-                  <a:rPr lang="tr-TR" sz="1600" dirty="0"/>
-                  <a:t>ready to charge</a:t>
+                  <a:rPr lang="tr-TR" sz="1200" dirty="0"/>
+                  <a:t>UX_ READY_TO_CHARGE</a:t>
                 </a:r>
-                <a:endParaRPr lang="de-AT" sz="1600" dirty="0"/>
               </a:p>
             </p:txBody>
           </p:sp>
@@ -12961,8 +12987,8 @@
             </p:nvCxnSpPr>
             <p:spPr>
               <a:xfrm>
-                <a:off x="4620127" y="3857199"/>
-                <a:ext cx="1408496" cy="12700"/>
+                <a:off x="4620128" y="3857199"/>
+                <a:ext cx="1408495" cy="12700"/>
               </a:xfrm>
               <a:prstGeom prst="curvedConnector3">
                 <a:avLst>
@@ -13002,8 +13028,8 @@
             </p:nvSpPr>
             <p:spPr>
               <a:xfrm>
-                <a:off x="7819331" y="4381028"/>
-                <a:ext cx="1324669" cy="685800"/>
+                <a:off x="7768343" y="4381028"/>
+                <a:ext cx="1523244" cy="685800"/>
               </a:xfrm>
               <a:prstGeom prst="roundRect">
                 <a:avLst/>
@@ -13031,10 +13057,9 @@
               <a:p>
                 <a:pPr algn="ctr"/>
                 <a:r>
-                  <a:rPr lang="tr-TR" sz="1600" dirty="0"/>
-                  <a:t>vehicle connected</a:t>
+                  <a:rPr lang="tr-TR" sz="1200" dirty="0"/>
+                  <a:t>UX_ VEHICLE_CONNECTED</a:t>
                 </a:r>
-                <a:endParaRPr lang="de-AT" sz="1600" dirty="0"/>
               </a:p>
             </p:txBody>
           </p:sp>
@@ -13056,8 +13081,8 @@
             </p:nvCxnSpPr>
             <p:spPr>
               <a:xfrm rot="16200000" flipH="1">
-                <a:off x="6950821" y="3855417"/>
-                <a:ext cx="523829" cy="1213192"/>
+                <a:off x="6925327" y="3880911"/>
+                <a:ext cx="523829" cy="1162204"/>
               </a:xfrm>
               <a:prstGeom prst="curvedConnector2">
                 <a:avLst/>
@@ -13137,8 +13162,8 @@
             </p:nvSpPr>
             <p:spPr>
               <a:xfrm>
-                <a:off x="5548576" y="5738043"/>
-                <a:ext cx="1324669" cy="685800"/>
+                <a:off x="5119941" y="5752628"/>
+                <a:ext cx="1817363" cy="685800"/>
               </a:xfrm>
               <a:prstGeom prst="roundRect">
                 <a:avLst/>
@@ -13166,10 +13191,9 @@
               <a:p>
                 <a:pPr algn="ctr"/>
                 <a:r>
-                  <a:rPr lang="tr-TR" sz="1600" dirty="0"/>
-                  <a:t>vehicle charging</a:t>
+                  <a:rPr lang="tr-TR" sz="1200" dirty="0"/>
+                  <a:t>UX_ VEHICLE_CHARGING</a:t>
                 </a:r>
-                <a:endParaRPr lang="de-AT" sz="1600" dirty="0"/>
               </a:p>
             </p:txBody>
           </p:sp>
@@ -13191,8 +13215,8 @@
             </p:nvCxnSpPr>
             <p:spPr>
               <a:xfrm rot="5400000">
-                <a:off x="7170399" y="4769675"/>
-                <a:ext cx="1014115" cy="1608421"/>
+                <a:off x="7219285" y="4784848"/>
+                <a:ext cx="1028700" cy="1592661"/>
               </a:xfrm>
               <a:prstGeom prst="curvedConnector2">
                 <a:avLst/>
@@ -13276,8 +13300,8 @@
             </p:nvCxnSpPr>
             <p:spPr>
               <a:xfrm rot="5400000" flipH="1" flipV="1">
-                <a:off x="6508064" y="4426776"/>
-                <a:ext cx="1014115" cy="1608420"/>
+                <a:off x="6384133" y="4368418"/>
+                <a:ext cx="1028700" cy="1739720"/>
               </a:xfrm>
               <a:prstGeom prst="curvedConnector2">
                 <a:avLst/>
@@ -13434,10 +13458,9 @@
               <a:p>
                 <a:pPr algn="ctr"/>
                 <a:r>
-                  <a:rPr lang="tr-TR" sz="1600" dirty="0"/>
-                  <a:t>trouble</a:t>
+                  <a:rPr lang="tr-TR" sz="1200" dirty="0"/>
+                  <a:t>UX_ TROUBLE</a:t>
                 </a:r>
-                <a:endParaRPr lang="de-AT" sz="1600" dirty="0"/>
               </a:p>
             </p:txBody>
           </p:sp>
@@ -13591,8 +13614,8 @@
             </p:nvCxnSpPr>
             <p:spPr>
               <a:xfrm rot="16200000" flipV="1">
-                <a:off x="7570746" y="3470108"/>
-                <a:ext cx="523829" cy="1298012"/>
+                <a:off x="7594896" y="3445958"/>
+                <a:ext cx="523829" cy="1346311"/>
               </a:xfrm>
               <a:prstGeom prst="curvedConnector2">
                 <a:avLst/>
